--- a/pitchNinja Ball copy.pptx
+++ b/pitchNinja Ball copy.pptx
@@ -127,7 +127,6 @@
 <p1510:revInfo xmlns:a="http://schemas.openxmlformats.org/drawingml/2006/main" xmlns:r="http://schemas.openxmlformats.org/officeDocument/2006/relationships" xmlns:p1510="http://schemas.microsoft.com/office/powerpoint/2015/10/main">
   <p1510:revLst>
     <p1510:client id="{9D7823B9-5E01-43F8-9A81-A1928DBEC792}" v="4" dt="2020-02-27T18:37:23.786"/>
-    <p1510:client id="{A5B6DC77-09AD-4751-92D6-337F352E993D}" v="4" dt="2020-02-24T13:37:57.364"/>
     <p1510:client id="{B97BB381-A208-47A4-93CB-62BFE3DF4B29}" v="4" dt="2020-02-27T17:32:27.216"/>
     <p1510:client id="{F08427A6-8B71-493E-B162-D47B7290B57C}" v="22" dt="2020-02-27T16:39:35.357"/>
   </p1510:revLst>
@@ -216,7 +215,7 @@
           <a:p>
             <a:fld id="{34650F81-CBBD-40B0-A0B9-4B4429516DBB}" type="datetimeFigureOut">
               <a:rPr lang="en-IE"/>
-              <a:t>27/02/2020</a:t>
+              <a:t>28/02/2020</a:t>
             </a:fld>
             <a:endParaRPr lang="en-US"/>
           </a:p>
@@ -544,7 +543,7 @@
               </a:rPr>
               <a:t> will see you progressing up a series of increasingly challenging levels to reach the top of the tower, the levels will use the vertical space</a:t>
             </a:r>
-            <a:endParaRPr lang="en-US"/>
+            <a:endParaRPr lang="en-US" dirty="0"/>
           </a:p>
           <a:p>
             <a:r>
@@ -565,15 +564,7 @@
             </a:r>
             <a:r>
               <a:rPr lang="en-US" dirty="0"/>
-              <a:t> as we found that there </a:t>
-            </a:r>
-            <a:r>
-              <a:rPr lang="en-US" dirty="0" err="1"/>
-              <a:t>werent</a:t>
-            </a:r>
-            <a:r>
-              <a:rPr lang="en-US" dirty="0"/>
-              <a:t> many level based mobile platformers out there that took advantage of the features of the device.</a:t>
+              <a:t> as we found that there weren’t many level based mobile platformers out there that took advantage of the features of the device.</a:t>
             </a:r>
             <a:endParaRPr lang="en-US" dirty="0">
               <a:cs typeface="Calibri"/>
@@ -584,19 +575,7 @@
               <a:rPr lang="en-US" dirty="0">
                 <a:cs typeface="Calibri"/>
               </a:rPr>
-              <a:t>Most turning the screen sideways and trying to squeeze in standard control schemes to make a more traditional </a:t>
-            </a:r>
-            <a:r>
-              <a:rPr lang="en-US" dirty="0" err="1">
-                <a:cs typeface="Calibri"/>
-              </a:rPr>
-              <a:t>platfomer</a:t>
-            </a:r>
-            <a:r>
-              <a:rPr lang="en-US" dirty="0">
-                <a:cs typeface="Calibri"/>
-              </a:rPr>
-              <a:t> or abandoning traditional controls all together and making more simple games. We wanted to try and work with the features of this device to see what new direction we could take.</a:t>
+              <a:t>Most turning the screen sideways and trying to squeeze in standard control schemes to make a more traditional platformer or abandoning traditional controls all together and making more simple games. We wanted to try and work with the vertical layout to see what new directions we could take.</a:t>
             </a:r>
           </a:p>
         </p:txBody>
@@ -810,7 +789,7 @@
               <a:rPr lang="en-US" dirty="0">
                 <a:cs typeface="Calibri"/>
               </a:rPr>
-              <a:t>Vertical phone screen gives us a narrower and more vertically spaced level than most traditional platformers and so we decided to utilize this to create platforming levels where the challenge is more in moving upwards then onwards. The relatively few controls means that each button can be made large and easily accessible even on smaller phone screens. We also decided on a relatively simple character design to make it easier to recognize on a small screen.</a:t>
+              <a:t>This screen orientation gives us a narrower and more vertically spaced level than most traditional platformers and so we decided to utilize this to create platforming levels where the challenge is more in moving upwards then onwards. The relatively few controls means that each button can be made large and easily accessible even on smaller phone screens. We also decided on a relatively simple character design to make it easier to recognize on a small screen.</a:t>
             </a:r>
           </a:p>
         </p:txBody>
@@ -1563,7 +1542,7 @@
             <a:fld id="{5923F103-BC34-4FE4-A40E-EDDEECFDA5D0}" type="datetimeFigureOut">
               <a:rPr lang="en-US" dirty="0"/>
               <a:pPr/>
-              <a:t>2/27/2020</a:t>
+              <a:t>2/28/2020</a:t>
             </a:fld>
             <a:endParaRPr lang="en-US" dirty="0"/>
           </a:p>
@@ -2651,7 +2630,7 @@
           <a:p>
             <a:fld id="{923A1CC3-2375-41D4-9E03-427CAF2A4C1A}" type="datetimeFigureOut">
               <a:rPr lang="en-US" dirty="0"/>
-              <a:t>2/27/2020</a:t>
+              <a:t>2/28/2020</a:t>
             </a:fld>
             <a:endParaRPr lang="en-US" dirty="0"/>
           </a:p>
@@ -3631,7 +3610,7 @@
           <a:p>
             <a:fld id="{AFF16868-8199-4C2C-A5B1-63AEE139F88E}" type="datetimeFigureOut">
               <a:rPr lang="en-US" dirty="0"/>
-              <a:t>2/27/2020</a:t>
+              <a:t>2/28/2020</a:t>
             </a:fld>
             <a:endParaRPr lang="en-US" dirty="0"/>
           </a:p>
@@ -4765,7 +4744,7 @@
           <a:p>
             <a:fld id="{AAD9FF7F-6988-44CC-821B-644E70CD2F73}" type="datetimeFigureOut">
               <a:rPr lang="en-US" dirty="0"/>
-              <a:t>2/27/2020</a:t>
+              <a:t>2/28/2020</a:t>
             </a:fld>
             <a:endParaRPr lang="en-US" dirty="0"/>
           </a:p>
@@ -5798,7 +5777,7 @@
           <a:p>
             <a:fld id="{5C12C299-16B2-4475-990D-751901EACC14}" type="datetimeFigureOut">
               <a:rPr lang="en-US" dirty="0"/>
-              <a:t>2/27/2020</a:t>
+              <a:t>2/28/2020</a:t>
             </a:fld>
             <a:endParaRPr lang="en-US" dirty="0"/>
           </a:p>
@@ -6458,7 +6437,7 @@
           <a:p>
             <a:fld id="{9FE86839-B9D8-4651-8783-F325ECE74E65}" type="datetimeFigureOut">
               <a:rPr lang="en-US" dirty="0"/>
-              <a:t>2/27/2020</a:t>
+              <a:t>2/28/2020</a:t>
             </a:fld>
             <a:endParaRPr lang="en-US" dirty="0"/>
           </a:p>
@@ -7319,7 +7298,7 @@
           <a:p>
             <a:fld id="{FD484F64-32F6-45C5-931F-ADC1662401D0}" type="datetimeFigureOut">
               <a:rPr lang="en-US" dirty="0"/>
-              <a:t>2/27/2020</a:t>
+              <a:t>2/28/2020</a:t>
             </a:fld>
             <a:endParaRPr lang="en-US" dirty="0"/>
           </a:p>
@@ -7509,7 +7488,7 @@
           <a:p>
             <a:fld id="{53086D93-FCAC-47E0-A2EE-787E62CA814C}" type="datetimeFigureOut">
               <a:rPr lang="en-US" dirty="0"/>
-              <a:t>2/27/2020</a:t>
+              <a:t>2/28/2020</a:t>
             </a:fld>
             <a:endParaRPr lang="en-US" dirty="0"/>
           </a:p>
@@ -8481,7 +8460,7 @@
           <a:p>
             <a:fld id="{CDA879A6-0FD0-4734-A311-86BFCA472E6E}" type="datetimeFigureOut">
               <a:rPr lang="en-US" dirty="0"/>
-              <a:t>2/27/2020</a:t>
+              <a:t>2/28/2020</a:t>
             </a:fld>
             <a:endParaRPr lang="en-US" dirty="0"/>
           </a:p>
@@ -8692,7 +8671,7 @@
           <a:p>
             <a:fld id="{19C9CA7B-DFD4-44B5-8C60-D14B8CD1FB59}" type="datetimeFigureOut">
               <a:rPr lang="en-US" dirty="0"/>
-              <a:t>2/27/2020</a:t>
+              <a:t>2/28/2020</a:t>
             </a:fld>
             <a:endParaRPr lang="en-US" dirty="0"/>
           </a:p>
@@ -9726,7 +9705,7 @@
           <a:p>
             <a:fld id="{F34E6425-0181-43F2-84FC-787E803FD2F8}" type="datetimeFigureOut">
               <a:rPr lang="en-US" dirty="0"/>
-              <a:t>2/27/2020</a:t>
+              <a:t>2/28/2020</a:t>
             </a:fld>
             <a:endParaRPr lang="en-US" dirty="0"/>
           </a:p>
@@ -9998,7 +9977,7 @@
           <a:p>
             <a:fld id="{3BDB8791-F1B0-41E7-B7FD-A781E65C4266}" type="datetimeFigureOut">
               <a:rPr lang="en-US" dirty="0"/>
-              <a:t>2/27/2020</a:t>
+              <a:t>2/28/2020</a:t>
             </a:fld>
             <a:endParaRPr lang="en-US" dirty="0"/>
           </a:p>
@@ -10408,7 +10387,7 @@
           <a:p>
             <a:fld id="{5FDD63B2-E120-4ED8-B27B-C685F510A5FE}" type="datetimeFigureOut">
               <a:rPr lang="en-US" dirty="0"/>
-              <a:t>2/27/2020</a:t>
+              <a:t>2/28/2020</a:t>
             </a:fld>
             <a:endParaRPr lang="en-US" dirty="0"/>
           </a:p>
@@ -10535,7 +10514,7 @@
           <a:p>
             <a:fld id="{7AA18ACC-A947-437B-A130-35BD54FDF1E9}" type="datetimeFigureOut">
               <a:rPr lang="en-US" dirty="0"/>
-              <a:t>2/27/2020</a:t>
+              <a:t>2/28/2020</a:t>
             </a:fld>
             <a:endParaRPr lang="en-US" dirty="0"/>
           </a:p>
@@ -10630,7 +10609,7 @@
           <a:p>
             <a:fld id="{7C8D7E02-BCB8-4D50-A234-369438C08659}" type="datetimeFigureOut">
               <a:rPr lang="en-US" dirty="0"/>
-              <a:t>2/27/2020</a:t>
+              <a:t>2/28/2020</a:t>
             </a:fld>
             <a:endParaRPr lang="en-US" dirty="0"/>
           </a:p>
@@ -11711,7 +11690,7 @@
           <a:p>
             <a:fld id="{76E86A4C-8E40-4F87-A4F0-01A0687C5742}" type="datetimeFigureOut">
               <a:rPr lang="en-US" dirty="0"/>
-              <a:t>2/27/2020</a:t>
+              <a:t>2/28/2020</a:t>
             </a:fld>
             <a:endParaRPr lang="en-US" dirty="0"/>
           </a:p>
@@ -12819,7 +12798,7 @@
           <a:p>
             <a:fld id="{35E72C73-2D91-4E12-BA25-F0AA0C03599B}" type="datetimeFigureOut">
               <a:rPr lang="en-US" dirty="0"/>
-              <a:t>2/27/2020</a:t>
+              <a:t>2/28/2020</a:t>
             </a:fld>
             <a:endParaRPr lang="en-US" dirty="0"/>
           </a:p>
@@ -13816,7 +13795,7 @@
           <a:p>
             <a:fld id="{2BE451C3-0FF4-47C4-B829-773ADF60F88C}" type="datetimeFigureOut">
               <a:rPr lang="en-US" dirty="0"/>
-              <a:t>2/27/2020</a:t>
+              <a:t>2/28/2020</a:t>
             </a:fld>
             <a:endParaRPr lang="en-US" dirty="0"/>
           </a:p>
@@ -15590,8 +15569,8 @@
         </p:blipFill>
         <p:spPr>
           <a:xfrm>
-            <a:off x="8472236" y="1875901"/>
-            <a:ext cx="3113904" cy="3106196"/>
+            <a:off x="8917614" y="2120900"/>
+            <a:ext cx="2521542" cy="2515300"/>
           </a:xfrm>
           <a:prstGeom prst="rect">
             <a:avLst/>
@@ -16915,28 +16894,13 @@
           <a:lstStyle/>
           <a:p>
             <a:r>
-              <a:rPr lang="en-GB">
+              <a:rPr lang="en-GB" dirty="0">
                 <a:solidFill>
                   <a:srgbClr val="FFFFFF"/>
                 </a:solidFill>
               </a:rPr>
               <a:t>Tight compact levels using more verticality than normally seen in a platformer.</a:t>
             </a:r>
-          </a:p>
-          <a:p>
-            <a:r>
-              <a:rPr lang="en-GB">
-                <a:solidFill>
-                  <a:srgbClr val="FFFFFF"/>
-                </a:solidFill>
-              </a:rPr>
-              <a:t>&lt;various level designs including boss level&gt;</a:t>
-            </a:r>
-            <a:endParaRPr lang="en-IE">
-              <a:solidFill>
-                <a:srgbClr val="FFFFFF"/>
-              </a:solidFill>
-            </a:endParaRPr>
           </a:p>
         </p:txBody>
       </p:sp>
